--- a/pics/2020-12-07-change_of_basis/pics.pptx
+++ b/pics/2020-12-07-change_of_basis/pics.pptx
@@ -7,6 +7,7 @@
   <p:sldIdLst>
     <p:sldId id="256" r:id="rId2"/>
     <p:sldId id="257" r:id="rId3"/>
+    <p:sldId id="258" r:id="rId4"/>
   </p:sldIdLst>
   <p:sldSz cx="9144000" cy="6858000" type="screen4x3"/>
   <p:notesSz cx="6858000" cy="9144000"/>
@@ -289,7 +290,7 @@
           <a:p>
             <a:fld id="{FB30EDBD-1C2D-4C1E-B459-B60219FAB484}" type="datetimeFigureOut">
               <a:rPr lang="ko-KR" altLang="en-US" smtClean="0"/>
-              <a:t>2020-12-07</a:t>
+              <a:t>2020-12-09</a:t>
             </a:fld>
             <a:endParaRPr lang="ko-KR" altLang="en-US"/>
           </a:p>
@@ -454,7 +455,7 @@
           <a:p>
             <a:fld id="{FB30EDBD-1C2D-4C1E-B459-B60219FAB484}" type="datetimeFigureOut">
               <a:rPr lang="ko-KR" altLang="en-US" smtClean="0"/>
-              <a:t>2020-12-07</a:t>
+              <a:t>2020-12-09</a:t>
             </a:fld>
             <a:endParaRPr lang="ko-KR" altLang="en-US"/>
           </a:p>
@@ -629,7 +630,7 @@
           <a:p>
             <a:fld id="{FB30EDBD-1C2D-4C1E-B459-B60219FAB484}" type="datetimeFigureOut">
               <a:rPr lang="ko-KR" altLang="en-US" smtClean="0"/>
-              <a:t>2020-12-07</a:t>
+              <a:t>2020-12-09</a:t>
             </a:fld>
             <a:endParaRPr lang="ko-KR" altLang="en-US"/>
           </a:p>
@@ -794,7 +795,7 @@
           <a:p>
             <a:fld id="{FB30EDBD-1C2D-4C1E-B459-B60219FAB484}" type="datetimeFigureOut">
               <a:rPr lang="ko-KR" altLang="en-US" smtClean="0"/>
-              <a:t>2020-12-07</a:t>
+              <a:t>2020-12-09</a:t>
             </a:fld>
             <a:endParaRPr lang="ko-KR" altLang="en-US"/>
           </a:p>
@@ -1035,7 +1036,7 @@
           <a:p>
             <a:fld id="{FB30EDBD-1C2D-4C1E-B459-B60219FAB484}" type="datetimeFigureOut">
               <a:rPr lang="ko-KR" altLang="en-US" smtClean="0"/>
-              <a:t>2020-12-07</a:t>
+              <a:t>2020-12-09</a:t>
             </a:fld>
             <a:endParaRPr lang="ko-KR" altLang="en-US"/>
           </a:p>
@@ -1318,7 +1319,7 @@
           <a:p>
             <a:fld id="{FB30EDBD-1C2D-4C1E-B459-B60219FAB484}" type="datetimeFigureOut">
               <a:rPr lang="ko-KR" altLang="en-US" smtClean="0"/>
-              <a:t>2020-12-07</a:t>
+              <a:t>2020-12-09</a:t>
             </a:fld>
             <a:endParaRPr lang="ko-KR" altLang="en-US"/>
           </a:p>
@@ -1735,7 +1736,7 @@
           <a:p>
             <a:fld id="{FB30EDBD-1C2D-4C1E-B459-B60219FAB484}" type="datetimeFigureOut">
               <a:rPr lang="ko-KR" altLang="en-US" smtClean="0"/>
-              <a:t>2020-12-07</a:t>
+              <a:t>2020-12-09</a:t>
             </a:fld>
             <a:endParaRPr lang="ko-KR" altLang="en-US"/>
           </a:p>
@@ -1848,7 +1849,7 @@
           <a:p>
             <a:fld id="{FB30EDBD-1C2D-4C1E-B459-B60219FAB484}" type="datetimeFigureOut">
               <a:rPr lang="ko-KR" altLang="en-US" smtClean="0"/>
-              <a:t>2020-12-07</a:t>
+              <a:t>2020-12-09</a:t>
             </a:fld>
             <a:endParaRPr lang="ko-KR" altLang="en-US"/>
           </a:p>
@@ -1938,7 +1939,7 @@
           <a:p>
             <a:fld id="{FB30EDBD-1C2D-4C1E-B459-B60219FAB484}" type="datetimeFigureOut">
               <a:rPr lang="ko-KR" altLang="en-US" smtClean="0"/>
-              <a:t>2020-12-07</a:t>
+              <a:t>2020-12-09</a:t>
             </a:fld>
             <a:endParaRPr lang="ko-KR" altLang="en-US"/>
           </a:p>
@@ -2210,7 +2211,7 @@
           <a:p>
             <a:fld id="{FB30EDBD-1C2D-4C1E-B459-B60219FAB484}" type="datetimeFigureOut">
               <a:rPr lang="ko-KR" altLang="en-US" smtClean="0"/>
-              <a:t>2020-12-07</a:t>
+              <a:t>2020-12-09</a:t>
             </a:fld>
             <a:endParaRPr lang="ko-KR" altLang="en-US"/>
           </a:p>
@@ -2458,7 +2459,7 @@
           <a:p>
             <a:fld id="{FB30EDBD-1C2D-4C1E-B459-B60219FAB484}" type="datetimeFigureOut">
               <a:rPr lang="ko-KR" altLang="en-US" smtClean="0"/>
-              <a:t>2020-12-07</a:t>
+              <a:t>2020-12-09</a:t>
             </a:fld>
             <a:endParaRPr lang="ko-KR" altLang="en-US"/>
           </a:p>
@@ -2666,7 +2667,7 @@
           <a:p>
             <a:fld id="{FB30EDBD-1C2D-4C1E-B459-B60219FAB484}" type="datetimeFigureOut">
               <a:rPr lang="ko-KR" altLang="en-US" smtClean="0"/>
-              <a:t>2020-12-07</a:t>
+              <a:t>2020-12-09</a:t>
             </a:fld>
             <a:endParaRPr lang="ko-KR" altLang="en-US"/>
           </a:p>
@@ -3207,6 +3208,929 @@
 </p:sld>
 </file>
 
+<file path=ppt/slides/slide3.xml><?xml version="1.0" encoding="utf-8"?>
+<p:sld xmlns:a="http://schemas.openxmlformats.org/drawingml/2006/main" xmlns:r="http://schemas.openxmlformats.org/officeDocument/2006/relationships" xmlns:p="http://schemas.openxmlformats.org/presentationml/2006/main">
+  <p:cSld>
+    <p:spTree>
+      <p:nvGrpSpPr>
+        <p:cNvPr id="1" name=""/>
+        <p:cNvGrpSpPr/>
+        <p:nvPr/>
+      </p:nvGrpSpPr>
+      <p:grpSpPr>
+        <a:xfrm>
+          <a:off x="0" y="0"/>
+          <a:ext cx="0" cy="0"/>
+          <a:chOff x="0" y="0"/>
+          <a:chExt cx="0" cy="0"/>
+        </a:xfrm>
+      </p:grpSpPr>
+      <p:grpSp>
+        <p:nvGrpSpPr>
+          <p:cNvPr id="5" name="그룹 4"/>
+          <p:cNvGrpSpPr/>
+          <p:nvPr/>
+        </p:nvGrpSpPr>
+        <p:grpSpPr>
+          <a:xfrm>
+            <a:off x="1850791" y="766763"/>
+            <a:ext cx="5442419" cy="5324475"/>
+            <a:chOff x="1909763" y="766763"/>
+            <a:chExt cx="5442419" cy="5324475"/>
+          </a:xfrm>
+        </p:grpSpPr>
+        <p:pic>
+          <p:nvPicPr>
+            <p:cNvPr id="1027" name="Picture 3"/>
+            <p:cNvPicPr>
+              <a:picLocks noChangeAspect="1" noChangeArrowheads="1"/>
+            </p:cNvPicPr>
+            <p:nvPr/>
+          </p:nvPicPr>
+          <p:blipFill>
+            <a:blip r:embed="rId2">
+              <a:extLst>
+                <a:ext uri="{28A0092B-C50C-407E-A947-70E740481C1C}">
+                  <a14:useLocalDpi xmlns:a14="http://schemas.microsoft.com/office/drawing/2010/main" val="0"/>
+                </a:ext>
+              </a:extLst>
+            </a:blip>
+            <a:srcRect/>
+            <a:stretch>
+              <a:fillRect/>
+            </a:stretch>
+          </p:blipFill>
+          <p:spPr bwMode="auto">
+            <a:xfrm rot="727941">
+              <a:off x="1909763" y="766763"/>
+              <a:ext cx="5324475" cy="5324475"/>
+            </a:xfrm>
+            <a:prstGeom prst="rect">
+              <a:avLst/>
+            </a:prstGeom>
+            <a:noFill/>
+            <a:ln>
+              <a:noFill/>
+            </a:ln>
+            <a:effectLst/>
+            <a:extLst>
+              <a:ext uri="{909E8E84-426E-40DD-AFC4-6F175D3DCCD1}">
+                <a14:hiddenFill xmlns:a14="http://schemas.microsoft.com/office/drawing/2010/main">
+                  <a:solidFill>
+                    <a:schemeClr val="accent1"/>
+                  </a:solidFill>
+                </a14:hiddenFill>
+              </a:ext>
+              <a:ext uri="{91240B29-F687-4F45-9708-019B960494DF}">
+                <a14:hiddenLine xmlns:a14="http://schemas.microsoft.com/office/drawing/2010/main" w="9525">
+                  <a:solidFill>
+                    <a:schemeClr val="tx1"/>
+                  </a:solidFill>
+                  <a:miter lim="800000"/>
+                  <a:headEnd/>
+                  <a:tailEnd/>
+                </a14:hiddenLine>
+              </a:ext>
+              <a:ext uri="{AF507438-7753-43E0-B8FC-AC1667EBCBE1}">
+                <a14:hiddenEffects xmlns:a14="http://schemas.microsoft.com/office/drawing/2010/main">
+                  <a:effectLst>
+                    <a:outerShdw dist="35921" dir="2700000" algn="ctr" rotWithShape="0">
+                      <a:schemeClr val="bg2"/>
+                    </a:outerShdw>
+                  </a:effectLst>
+                </a14:hiddenEffects>
+              </a:ext>
+            </a:extLst>
+          </p:spPr>
+        </p:pic>
+        <mc:AlternateContent xmlns:mc="http://schemas.openxmlformats.org/markup-compatibility/2006">
+          <mc:Choice xmlns:a14="http://schemas.microsoft.com/office/drawing/2010/main" Requires="a14">
+            <p:sp>
+              <p:nvSpPr>
+                <p:cNvPr id="4" name="TextBox 3"/>
+                <p:cNvSpPr txBox="1"/>
+                <p:nvPr/>
+              </p:nvSpPr>
+              <p:spPr>
+                <a:xfrm>
+                  <a:off x="6300192" y="4365104"/>
+                  <a:ext cx="530658" cy="369332"/>
+                </a:xfrm>
+                <a:prstGeom prst="rect">
+                  <a:avLst/>
+                </a:prstGeom>
+                <a:noFill/>
+              </p:spPr>
+              <p:txBody>
+                <a:bodyPr wrap="none" rtlCol="0">
+                  <a:spAutoFit/>
+                </a:bodyPr>
+                <a:lstStyle/>
+                <a:p>
+                  <a14:m>
+                    <m:oMathPara xmlns:m="http://schemas.openxmlformats.org/officeDocument/2006/math">
+                      <m:oMathParaPr>
+                        <m:jc m:val="centerGroup"/>
+                      </m:oMathParaPr>
+                      <m:oMath xmlns:m="http://schemas.openxmlformats.org/officeDocument/2006/math">
+                        <m:sSub>
+                          <m:sSubPr>
+                            <m:ctrlPr>
+                              <a:rPr lang="en-US" altLang="ko-KR" b="0" i="1" smtClean="0">
+                                <a:latin typeface="Cambria Math"/>
+                              </a:rPr>
+                            </m:ctrlPr>
+                          </m:sSubPr>
+                          <m:e>
+                            <m:r>
+                              <a:rPr lang="en-US" altLang="ko-KR" b="0" i="1" smtClean="0">
+                                <a:latin typeface="Cambria Math"/>
+                              </a:rPr>
+                              <m:t>𝑤</m:t>
+                            </m:r>
+                          </m:e>
+                          <m:sub>
+                            <m:r>
+                              <a:rPr lang="en-US" altLang="ko-KR" b="0" i="1" smtClean="0">
+                                <a:latin typeface="Cambria Math"/>
+                              </a:rPr>
+                              <m:t>1</m:t>
+                            </m:r>
+                          </m:sub>
+                        </m:sSub>
+                      </m:oMath>
+                    </m:oMathPara>
+                  </a14:m>
+                  <a:endParaRPr lang="ko-KR" altLang="en-US" dirty="0"/>
+                </a:p>
+              </p:txBody>
+            </p:sp>
+          </mc:Choice>
+          <mc:Fallback>
+            <p:sp>
+              <p:nvSpPr>
+                <p:cNvPr id="4" name="TextBox 3"/>
+                <p:cNvSpPr txBox="1">
+                  <a:spLocks noRot="1" noChangeAspect="1" noMove="1" noResize="1" noEditPoints="1" noAdjustHandles="1" noChangeArrowheads="1" noChangeShapeType="1" noTextEdit="1"/>
+                </p:cNvSpPr>
+                <p:nvPr/>
+              </p:nvSpPr>
+              <p:spPr>
+                <a:xfrm>
+                  <a:off x="6300192" y="4365104"/>
+                  <a:ext cx="530658" cy="369332"/>
+                </a:xfrm>
+                <a:prstGeom prst="rect">
+                  <a:avLst/>
+                </a:prstGeom>
+                <a:blipFill rotWithShape="1">
+                  <a:blip r:embed="rId3"/>
+                  <a:stretch>
+                    <a:fillRect b="-1639"/>
+                  </a:stretch>
+                </a:blipFill>
+              </p:spPr>
+              <p:txBody>
+                <a:bodyPr/>
+                <a:lstStyle/>
+                <a:p>
+                  <a:r>
+                    <a:rPr lang="ko-KR" altLang="en-US">
+                      <a:noFill/>
+                    </a:rPr>
+                    <a:t> </a:t>
+                  </a:r>
+                </a:p>
+              </p:txBody>
+            </p:sp>
+          </mc:Fallback>
+        </mc:AlternateContent>
+        <mc:AlternateContent xmlns:mc="http://schemas.openxmlformats.org/markup-compatibility/2006">
+          <mc:Choice xmlns:a14="http://schemas.microsoft.com/office/drawing/2010/main" Requires="a14">
+            <p:sp>
+              <p:nvSpPr>
+                <p:cNvPr id="7" name="TextBox 6"/>
+                <p:cNvSpPr txBox="1"/>
+                <p:nvPr/>
+              </p:nvSpPr>
+              <p:spPr>
+                <a:xfrm>
+                  <a:off x="4041342" y="980728"/>
+                  <a:ext cx="535980" cy="369332"/>
+                </a:xfrm>
+                <a:prstGeom prst="rect">
+                  <a:avLst/>
+                </a:prstGeom>
+                <a:noFill/>
+              </p:spPr>
+              <p:txBody>
+                <a:bodyPr wrap="none" rtlCol="0">
+                  <a:spAutoFit/>
+                </a:bodyPr>
+                <a:lstStyle/>
+                <a:p>
+                  <a14:m>
+                    <m:oMathPara xmlns:m="http://schemas.openxmlformats.org/officeDocument/2006/math">
+                      <m:oMathParaPr>
+                        <m:jc m:val="centerGroup"/>
+                      </m:oMathParaPr>
+                      <m:oMath xmlns:m="http://schemas.openxmlformats.org/officeDocument/2006/math">
+                        <m:sSub>
+                          <m:sSubPr>
+                            <m:ctrlPr>
+                              <a:rPr lang="en-US" altLang="ko-KR" b="0" i="1" smtClean="0">
+                                <a:latin typeface="Cambria Math"/>
+                              </a:rPr>
+                            </m:ctrlPr>
+                          </m:sSubPr>
+                          <m:e>
+                            <m:r>
+                              <a:rPr lang="en-US" altLang="ko-KR" b="0" i="1" smtClean="0">
+                                <a:latin typeface="Cambria Math"/>
+                              </a:rPr>
+                              <m:t>𝑤</m:t>
+                            </m:r>
+                          </m:e>
+                          <m:sub>
+                            <m:r>
+                              <a:rPr lang="en-US" altLang="ko-KR" b="0" i="1" smtClean="0">
+                                <a:latin typeface="Cambria Math"/>
+                              </a:rPr>
+                              <m:t>2</m:t>
+                            </m:r>
+                          </m:sub>
+                        </m:sSub>
+                      </m:oMath>
+                    </m:oMathPara>
+                  </a14:m>
+                  <a:endParaRPr lang="ko-KR" altLang="en-US" dirty="0"/>
+                </a:p>
+              </p:txBody>
+            </p:sp>
+          </mc:Choice>
+          <mc:Fallback>
+            <p:sp>
+              <p:nvSpPr>
+                <p:cNvPr id="7" name="TextBox 6"/>
+                <p:cNvSpPr txBox="1">
+                  <a:spLocks noRot="1" noChangeAspect="1" noMove="1" noResize="1" noEditPoints="1" noAdjustHandles="1" noChangeArrowheads="1" noChangeShapeType="1" noTextEdit="1"/>
+                </p:cNvSpPr>
+                <p:nvPr/>
+              </p:nvSpPr>
+              <p:spPr>
+                <a:xfrm>
+                  <a:off x="4041342" y="980728"/>
+                  <a:ext cx="535980" cy="369332"/>
+                </a:xfrm>
+                <a:prstGeom prst="rect">
+                  <a:avLst/>
+                </a:prstGeom>
+                <a:blipFill rotWithShape="1">
+                  <a:blip r:embed="rId4"/>
+                  <a:stretch>
+                    <a:fillRect b="-3333"/>
+                  </a:stretch>
+                </a:blipFill>
+              </p:spPr>
+              <p:txBody>
+                <a:bodyPr/>
+                <a:lstStyle/>
+                <a:p>
+                  <a:r>
+                    <a:rPr lang="ko-KR" altLang="en-US">
+                      <a:noFill/>
+                    </a:rPr>
+                    <a:t> </a:t>
+                  </a:r>
+                </a:p>
+              </p:txBody>
+            </p:sp>
+          </mc:Fallback>
+        </mc:AlternateContent>
+        <mc:AlternateContent xmlns:mc="http://schemas.openxmlformats.org/markup-compatibility/2006">
+          <mc:Choice xmlns:a14="http://schemas.microsoft.com/office/drawing/2010/main" Requires="a14">
+            <p:sp>
+              <p:nvSpPr>
+                <p:cNvPr id="8" name="TextBox 7"/>
+                <p:cNvSpPr txBox="1"/>
+                <p:nvPr/>
+              </p:nvSpPr>
+              <p:spPr>
+                <a:xfrm>
+                  <a:off x="6156176" y="2924944"/>
+                  <a:ext cx="491225" cy="369332"/>
+                </a:xfrm>
+                <a:prstGeom prst="rect">
+                  <a:avLst/>
+                </a:prstGeom>
+                <a:noFill/>
+              </p:spPr>
+              <p:txBody>
+                <a:bodyPr wrap="none" rtlCol="0">
+                  <a:spAutoFit/>
+                </a:bodyPr>
+                <a:lstStyle/>
+                <a:p>
+                  <a14:m>
+                    <m:oMathPara xmlns:m="http://schemas.openxmlformats.org/officeDocument/2006/math">
+                      <m:oMathParaPr>
+                        <m:jc m:val="centerGroup"/>
+                      </m:oMathParaPr>
+                      <m:oMath xmlns:m="http://schemas.openxmlformats.org/officeDocument/2006/math">
+                        <m:sSub>
+                          <m:sSubPr>
+                            <m:ctrlPr>
+                              <a:rPr lang="en-US" altLang="ko-KR" b="0" i="1" smtClean="0">
+                                <a:solidFill>
+                                  <a:schemeClr val="tx2"/>
+                                </a:solidFill>
+                                <a:latin typeface="Cambria Math"/>
+                              </a:rPr>
+                            </m:ctrlPr>
+                          </m:sSubPr>
+                          <m:e>
+                            <m:r>
+                              <a:rPr lang="en-US" altLang="ko-KR" b="0" i="1" smtClean="0">
+                                <a:solidFill>
+                                  <a:schemeClr val="tx2"/>
+                                </a:solidFill>
+                                <a:latin typeface="Cambria Math"/>
+                              </a:rPr>
+                              <m:t>𝑣</m:t>
+                            </m:r>
+                          </m:e>
+                          <m:sub>
+                            <m:r>
+                              <a:rPr lang="en-US" altLang="ko-KR" b="0" i="1" smtClean="0">
+                                <a:solidFill>
+                                  <a:schemeClr val="tx2"/>
+                                </a:solidFill>
+                                <a:latin typeface="Cambria Math"/>
+                              </a:rPr>
+                              <m:t>1</m:t>
+                            </m:r>
+                          </m:sub>
+                        </m:sSub>
+                      </m:oMath>
+                    </m:oMathPara>
+                  </a14:m>
+                  <a:endParaRPr lang="ko-KR" altLang="en-US" dirty="0">
+                    <a:solidFill>
+                      <a:schemeClr val="tx2"/>
+                    </a:solidFill>
+                  </a:endParaRPr>
+                </a:p>
+              </p:txBody>
+            </p:sp>
+          </mc:Choice>
+          <mc:Fallback>
+            <p:sp>
+              <p:nvSpPr>
+                <p:cNvPr id="8" name="TextBox 7"/>
+                <p:cNvSpPr txBox="1">
+                  <a:spLocks noRot="1" noChangeAspect="1" noMove="1" noResize="1" noEditPoints="1" noAdjustHandles="1" noChangeArrowheads="1" noChangeShapeType="1" noTextEdit="1"/>
+                </p:cNvSpPr>
+                <p:nvPr/>
+              </p:nvSpPr>
+              <p:spPr>
+                <a:xfrm>
+                  <a:off x="6156176" y="2924944"/>
+                  <a:ext cx="491225" cy="369332"/>
+                </a:xfrm>
+                <a:prstGeom prst="rect">
+                  <a:avLst/>
+                </a:prstGeom>
+                <a:blipFill rotWithShape="1">
+                  <a:blip r:embed="rId5"/>
+                  <a:stretch>
+                    <a:fillRect b="-3333"/>
+                  </a:stretch>
+                </a:blipFill>
+              </p:spPr>
+              <p:txBody>
+                <a:bodyPr/>
+                <a:lstStyle/>
+                <a:p>
+                  <a:r>
+                    <a:rPr lang="ko-KR" altLang="en-US">
+                      <a:noFill/>
+                    </a:rPr>
+                    <a:t> </a:t>
+                  </a:r>
+                </a:p>
+              </p:txBody>
+            </p:sp>
+          </mc:Fallback>
+        </mc:AlternateContent>
+        <mc:AlternateContent xmlns:mc="http://schemas.openxmlformats.org/markup-compatibility/2006">
+          <mc:Choice xmlns:a14="http://schemas.microsoft.com/office/drawing/2010/main" Requires="a14">
+            <p:sp>
+              <p:nvSpPr>
+                <p:cNvPr id="9" name="TextBox 8"/>
+                <p:cNvSpPr txBox="1"/>
+                <p:nvPr/>
+              </p:nvSpPr>
+              <p:spPr>
+                <a:xfrm>
+                  <a:off x="2627784" y="1052736"/>
+                  <a:ext cx="496546" cy="369332"/>
+                </a:xfrm>
+                <a:prstGeom prst="rect">
+                  <a:avLst/>
+                </a:prstGeom>
+                <a:noFill/>
+              </p:spPr>
+              <p:txBody>
+                <a:bodyPr wrap="none" rtlCol="0">
+                  <a:spAutoFit/>
+                </a:bodyPr>
+                <a:lstStyle/>
+                <a:p>
+                  <a14:m>
+                    <m:oMathPara xmlns:m="http://schemas.openxmlformats.org/officeDocument/2006/math">
+                      <m:oMathParaPr>
+                        <m:jc m:val="centerGroup"/>
+                      </m:oMathParaPr>
+                      <m:oMath xmlns:m="http://schemas.openxmlformats.org/officeDocument/2006/math">
+                        <m:sSub>
+                          <m:sSubPr>
+                            <m:ctrlPr>
+                              <a:rPr lang="en-US" altLang="ko-KR" b="0" i="1" smtClean="0">
+                                <a:solidFill>
+                                  <a:schemeClr val="tx2"/>
+                                </a:solidFill>
+                                <a:latin typeface="Cambria Math"/>
+                              </a:rPr>
+                            </m:ctrlPr>
+                          </m:sSubPr>
+                          <m:e>
+                            <m:r>
+                              <a:rPr lang="en-US" altLang="ko-KR" b="0" i="1" smtClean="0">
+                                <a:solidFill>
+                                  <a:schemeClr val="tx2"/>
+                                </a:solidFill>
+                                <a:latin typeface="Cambria Math"/>
+                              </a:rPr>
+                              <m:t>𝑣</m:t>
+                            </m:r>
+                          </m:e>
+                          <m:sub>
+                            <m:r>
+                              <a:rPr lang="en-US" altLang="ko-KR" b="0" i="1" smtClean="0">
+                                <a:solidFill>
+                                  <a:schemeClr val="tx2"/>
+                                </a:solidFill>
+                                <a:latin typeface="Cambria Math"/>
+                              </a:rPr>
+                              <m:t>2</m:t>
+                            </m:r>
+                          </m:sub>
+                        </m:sSub>
+                      </m:oMath>
+                    </m:oMathPara>
+                  </a14:m>
+                  <a:endParaRPr lang="ko-KR" altLang="en-US" dirty="0">
+                    <a:solidFill>
+                      <a:schemeClr val="tx2"/>
+                    </a:solidFill>
+                  </a:endParaRPr>
+                </a:p>
+              </p:txBody>
+            </p:sp>
+          </mc:Choice>
+          <mc:Fallback>
+            <p:sp>
+              <p:nvSpPr>
+                <p:cNvPr id="9" name="TextBox 8"/>
+                <p:cNvSpPr txBox="1">
+                  <a:spLocks noRot="1" noChangeAspect="1" noMove="1" noResize="1" noEditPoints="1" noAdjustHandles="1" noChangeArrowheads="1" noChangeShapeType="1" noTextEdit="1"/>
+                </p:cNvSpPr>
+                <p:nvPr/>
+              </p:nvSpPr>
+              <p:spPr>
+                <a:xfrm>
+                  <a:off x="2627784" y="1052736"/>
+                  <a:ext cx="496546" cy="369332"/>
+                </a:xfrm>
+                <a:prstGeom prst="rect">
+                  <a:avLst/>
+                </a:prstGeom>
+                <a:blipFill rotWithShape="1">
+                  <a:blip r:embed="rId6"/>
+                  <a:stretch>
+                    <a:fillRect b="-3333"/>
+                  </a:stretch>
+                </a:blipFill>
+              </p:spPr>
+              <p:txBody>
+                <a:bodyPr/>
+                <a:lstStyle/>
+                <a:p>
+                  <a:r>
+                    <a:rPr lang="ko-KR" altLang="en-US">
+                      <a:noFill/>
+                    </a:rPr>
+                    <a:t> </a:t>
+                  </a:r>
+                </a:p>
+              </p:txBody>
+            </p:sp>
+          </mc:Fallback>
+        </mc:AlternateContent>
+        <mc:AlternateContent xmlns:mc="http://schemas.openxmlformats.org/markup-compatibility/2006">
+          <mc:Choice xmlns:a14="http://schemas.microsoft.com/office/drawing/2010/main" Requires="a14">
+            <p:sp>
+              <p:nvSpPr>
+                <p:cNvPr id="10" name="TextBox 9"/>
+                <p:cNvSpPr txBox="1"/>
+                <p:nvPr/>
+              </p:nvSpPr>
+              <p:spPr>
+                <a:xfrm>
+                  <a:off x="4427984" y="2420888"/>
+                  <a:ext cx="2924198" cy="369332"/>
+                </a:xfrm>
+                <a:prstGeom prst="rect">
+                  <a:avLst/>
+                </a:prstGeom>
+                <a:noFill/>
+              </p:spPr>
+              <p:txBody>
+                <a:bodyPr wrap="none" rtlCol="0">
+                  <a:spAutoFit/>
+                </a:bodyPr>
+                <a:lstStyle/>
+                <a:p>
+                  <a14:m>
+                    <m:oMathPara xmlns:m="http://schemas.openxmlformats.org/officeDocument/2006/math">
+                      <m:oMathParaPr>
+                        <m:jc m:val="centerGroup"/>
+                      </m:oMathParaPr>
+                      <m:oMath xmlns:m="http://schemas.openxmlformats.org/officeDocument/2006/math">
+                        <m:sSub>
+                          <m:sSubPr>
+                            <m:ctrlPr>
+                              <a:rPr lang="en-US" altLang="ko-KR" b="0" i="1" smtClean="0">
+                                <a:solidFill>
+                                  <a:srgbClr val="FF0000"/>
+                                </a:solidFill>
+                                <a:latin typeface="Cambria Math"/>
+                              </a:rPr>
+                            </m:ctrlPr>
+                          </m:sSubPr>
+                          <m:e>
+                            <m:r>
+                              <a:rPr lang="en-US" altLang="ko-KR" b="0" i="1" smtClean="0">
+                                <a:solidFill>
+                                  <a:srgbClr val="FF0000"/>
+                                </a:solidFill>
+                                <a:latin typeface="Cambria Math"/>
+                              </a:rPr>
+                              <m:t>𝑘</m:t>
+                            </m:r>
+                          </m:e>
+                          <m:sub>
+                            <m:r>
+                              <a:rPr lang="en-US" altLang="ko-KR" b="0" i="1" smtClean="0">
+                                <a:solidFill>
+                                  <a:srgbClr val="FF0000"/>
+                                </a:solidFill>
+                                <a:latin typeface="Cambria Math"/>
+                              </a:rPr>
+                              <m:t>1</m:t>
+                            </m:r>
+                          </m:sub>
+                        </m:sSub>
+                        <m:sSub>
+                          <m:sSubPr>
+                            <m:ctrlPr>
+                              <a:rPr lang="en-US" altLang="ko-KR" b="0" i="1" smtClean="0">
+                                <a:solidFill>
+                                  <a:srgbClr val="FF0000"/>
+                                </a:solidFill>
+                                <a:latin typeface="Cambria Math"/>
+                              </a:rPr>
+                            </m:ctrlPr>
+                          </m:sSubPr>
+                          <m:e>
+                            <m:r>
+                              <a:rPr lang="en-US" altLang="ko-KR" b="0" i="1" smtClean="0">
+                                <a:solidFill>
+                                  <a:srgbClr val="FF0000"/>
+                                </a:solidFill>
+                                <a:latin typeface="Cambria Math"/>
+                              </a:rPr>
+                              <m:t>𝑣</m:t>
+                            </m:r>
+                          </m:e>
+                          <m:sub>
+                            <m:r>
+                              <a:rPr lang="en-US" altLang="ko-KR" b="0" i="1" smtClean="0">
+                                <a:solidFill>
+                                  <a:srgbClr val="FF0000"/>
+                                </a:solidFill>
+                                <a:latin typeface="Cambria Math"/>
+                              </a:rPr>
+                              <m:t>1</m:t>
+                            </m:r>
+                          </m:sub>
+                        </m:sSub>
+                        <m:r>
+                          <a:rPr lang="en-US" altLang="ko-KR" b="0" i="1" smtClean="0">
+                            <a:solidFill>
+                              <a:srgbClr val="FF0000"/>
+                            </a:solidFill>
+                            <a:latin typeface="Cambria Math"/>
+                          </a:rPr>
+                          <m:t>+</m:t>
+                        </m:r>
+                        <m:sSub>
+                          <m:sSubPr>
+                            <m:ctrlPr>
+                              <a:rPr lang="en-US" altLang="ko-KR" b="0" i="1" smtClean="0">
+                                <a:solidFill>
+                                  <a:srgbClr val="FF0000"/>
+                                </a:solidFill>
+                                <a:latin typeface="Cambria Math"/>
+                              </a:rPr>
+                            </m:ctrlPr>
+                          </m:sSubPr>
+                          <m:e>
+                            <m:r>
+                              <a:rPr lang="en-US" altLang="ko-KR" b="0" i="1" smtClean="0">
+                                <a:solidFill>
+                                  <a:srgbClr val="FF0000"/>
+                                </a:solidFill>
+                                <a:latin typeface="Cambria Math"/>
+                              </a:rPr>
+                              <m:t>𝑘</m:t>
+                            </m:r>
+                          </m:e>
+                          <m:sub>
+                            <m:r>
+                              <a:rPr lang="en-US" altLang="ko-KR" b="0" i="1" smtClean="0">
+                                <a:solidFill>
+                                  <a:srgbClr val="FF0000"/>
+                                </a:solidFill>
+                                <a:latin typeface="Cambria Math"/>
+                              </a:rPr>
+                              <m:t>2</m:t>
+                            </m:r>
+                          </m:sub>
+                        </m:sSub>
+                        <m:sSub>
+                          <m:sSubPr>
+                            <m:ctrlPr>
+                              <a:rPr lang="en-US" altLang="ko-KR" b="0" i="1" smtClean="0">
+                                <a:solidFill>
+                                  <a:srgbClr val="FF0000"/>
+                                </a:solidFill>
+                                <a:latin typeface="Cambria Math"/>
+                              </a:rPr>
+                            </m:ctrlPr>
+                          </m:sSubPr>
+                          <m:e>
+                            <m:r>
+                              <a:rPr lang="en-US" altLang="ko-KR" b="0" i="1" smtClean="0">
+                                <a:solidFill>
+                                  <a:srgbClr val="FF0000"/>
+                                </a:solidFill>
+                                <a:latin typeface="Cambria Math"/>
+                              </a:rPr>
+                              <m:t>𝑣</m:t>
+                            </m:r>
+                          </m:e>
+                          <m:sub>
+                            <m:r>
+                              <a:rPr lang="en-US" altLang="ko-KR" b="0" i="1" smtClean="0">
+                                <a:solidFill>
+                                  <a:srgbClr val="FF0000"/>
+                                </a:solidFill>
+                                <a:latin typeface="Cambria Math"/>
+                              </a:rPr>
+                              <m:t>2</m:t>
+                            </m:r>
+                          </m:sub>
+                        </m:sSub>
+                        <m:r>
+                          <a:rPr lang="en-US" altLang="ko-KR" b="0" i="1" smtClean="0">
+                            <a:solidFill>
+                              <a:srgbClr val="FF0000"/>
+                            </a:solidFill>
+                            <a:latin typeface="Cambria Math"/>
+                          </a:rPr>
+                          <m:t>=</m:t>
+                        </m:r>
+                        <m:sSub>
+                          <m:sSubPr>
+                            <m:ctrlPr>
+                              <a:rPr lang="en-US" altLang="ko-KR" b="0" i="1" smtClean="0">
+                                <a:solidFill>
+                                  <a:srgbClr val="FF0000"/>
+                                </a:solidFill>
+                                <a:latin typeface="Cambria Math"/>
+                              </a:rPr>
+                            </m:ctrlPr>
+                          </m:sSubPr>
+                          <m:e>
+                            <m:r>
+                              <a:rPr lang="en-US" altLang="ko-KR" b="0" i="1" smtClean="0">
+                                <a:solidFill>
+                                  <a:srgbClr val="FF0000"/>
+                                </a:solidFill>
+                                <a:latin typeface="Cambria Math"/>
+                              </a:rPr>
+                              <m:t>𝑙</m:t>
+                            </m:r>
+                          </m:e>
+                          <m:sub>
+                            <m:r>
+                              <a:rPr lang="en-US" altLang="ko-KR" b="0" i="1" smtClean="0">
+                                <a:solidFill>
+                                  <a:srgbClr val="FF0000"/>
+                                </a:solidFill>
+                                <a:latin typeface="Cambria Math"/>
+                              </a:rPr>
+                              <m:t>1</m:t>
+                            </m:r>
+                          </m:sub>
+                        </m:sSub>
+                        <m:sSub>
+                          <m:sSubPr>
+                            <m:ctrlPr>
+                              <a:rPr lang="en-US" altLang="ko-KR" b="0" i="1" smtClean="0">
+                                <a:solidFill>
+                                  <a:srgbClr val="FF0000"/>
+                                </a:solidFill>
+                                <a:latin typeface="Cambria Math"/>
+                              </a:rPr>
+                            </m:ctrlPr>
+                          </m:sSubPr>
+                          <m:e>
+                            <m:r>
+                              <a:rPr lang="en-US" altLang="ko-KR" b="0" i="1" smtClean="0">
+                                <a:solidFill>
+                                  <a:srgbClr val="FF0000"/>
+                                </a:solidFill>
+                                <a:latin typeface="Cambria Math"/>
+                              </a:rPr>
+                              <m:t>𝑤</m:t>
+                            </m:r>
+                          </m:e>
+                          <m:sub>
+                            <m:r>
+                              <a:rPr lang="en-US" altLang="ko-KR" b="0" i="1" smtClean="0">
+                                <a:solidFill>
+                                  <a:srgbClr val="FF0000"/>
+                                </a:solidFill>
+                                <a:latin typeface="Cambria Math"/>
+                              </a:rPr>
+                              <m:t>1</m:t>
+                            </m:r>
+                          </m:sub>
+                        </m:sSub>
+                        <m:r>
+                          <a:rPr lang="en-US" altLang="ko-KR" b="0" i="1" smtClean="0">
+                            <a:solidFill>
+                              <a:srgbClr val="FF0000"/>
+                            </a:solidFill>
+                            <a:latin typeface="Cambria Math"/>
+                          </a:rPr>
+                          <m:t>+</m:t>
+                        </m:r>
+                        <m:sSub>
+                          <m:sSubPr>
+                            <m:ctrlPr>
+                              <a:rPr lang="en-US" altLang="ko-KR" b="0" i="1" smtClean="0">
+                                <a:solidFill>
+                                  <a:srgbClr val="FF0000"/>
+                                </a:solidFill>
+                                <a:latin typeface="Cambria Math"/>
+                              </a:rPr>
+                            </m:ctrlPr>
+                          </m:sSubPr>
+                          <m:e>
+                            <m:r>
+                              <a:rPr lang="en-US" altLang="ko-KR" b="0" i="1" smtClean="0">
+                                <a:solidFill>
+                                  <a:srgbClr val="FF0000"/>
+                                </a:solidFill>
+                                <a:latin typeface="Cambria Math"/>
+                              </a:rPr>
+                              <m:t>𝑙</m:t>
+                            </m:r>
+                          </m:e>
+                          <m:sub>
+                            <m:r>
+                              <a:rPr lang="en-US" altLang="ko-KR" b="0" i="1" smtClean="0">
+                                <a:solidFill>
+                                  <a:srgbClr val="FF0000"/>
+                                </a:solidFill>
+                                <a:latin typeface="Cambria Math"/>
+                              </a:rPr>
+                              <m:t>2</m:t>
+                            </m:r>
+                          </m:sub>
+                        </m:sSub>
+                        <m:sSub>
+                          <m:sSubPr>
+                            <m:ctrlPr>
+                              <a:rPr lang="en-US" altLang="ko-KR" b="0" i="1" smtClean="0">
+                                <a:solidFill>
+                                  <a:srgbClr val="FF0000"/>
+                                </a:solidFill>
+                                <a:latin typeface="Cambria Math"/>
+                              </a:rPr>
+                            </m:ctrlPr>
+                          </m:sSubPr>
+                          <m:e>
+                            <m:r>
+                              <a:rPr lang="en-US" altLang="ko-KR" b="0" i="1" smtClean="0">
+                                <a:solidFill>
+                                  <a:srgbClr val="FF0000"/>
+                                </a:solidFill>
+                                <a:latin typeface="Cambria Math"/>
+                              </a:rPr>
+                              <m:t>𝑤</m:t>
+                            </m:r>
+                          </m:e>
+                          <m:sub>
+                            <m:r>
+                              <a:rPr lang="en-US" altLang="ko-KR" b="0" i="1" smtClean="0">
+                                <a:solidFill>
+                                  <a:srgbClr val="FF0000"/>
+                                </a:solidFill>
+                                <a:latin typeface="Cambria Math"/>
+                              </a:rPr>
+                              <m:t>2</m:t>
+                            </m:r>
+                          </m:sub>
+                        </m:sSub>
+                      </m:oMath>
+                    </m:oMathPara>
+                  </a14:m>
+                  <a:endParaRPr lang="ko-KR" altLang="en-US" dirty="0">
+                    <a:solidFill>
+                      <a:srgbClr val="FF0000"/>
+                    </a:solidFill>
+                  </a:endParaRPr>
+                </a:p>
+              </p:txBody>
+            </p:sp>
+          </mc:Choice>
+          <mc:Fallback>
+            <p:sp>
+              <p:nvSpPr>
+                <p:cNvPr id="10" name="TextBox 9"/>
+                <p:cNvSpPr txBox="1">
+                  <a:spLocks noRot="1" noChangeAspect="1" noMove="1" noResize="1" noEditPoints="1" noAdjustHandles="1" noChangeArrowheads="1" noChangeShapeType="1" noTextEdit="1"/>
+                </p:cNvSpPr>
+                <p:nvPr/>
+              </p:nvSpPr>
+              <p:spPr>
+                <a:xfrm>
+                  <a:off x="4427984" y="2420888"/>
+                  <a:ext cx="2924198" cy="369332"/>
+                </a:xfrm>
+                <a:prstGeom prst="rect">
+                  <a:avLst/>
+                </a:prstGeom>
+                <a:blipFill rotWithShape="1">
+                  <a:blip r:embed="rId7"/>
+                  <a:stretch>
+                    <a:fillRect b="-1639"/>
+                  </a:stretch>
+                </a:blipFill>
+              </p:spPr>
+              <p:txBody>
+                <a:bodyPr/>
+                <a:lstStyle/>
+                <a:p>
+                  <a:r>
+                    <a:rPr lang="ko-KR" altLang="en-US">
+                      <a:noFill/>
+                    </a:rPr>
+                    <a:t> </a:t>
+                  </a:r>
+                </a:p>
+              </p:txBody>
+            </p:sp>
+          </mc:Fallback>
+        </mc:AlternateContent>
+      </p:grpSp>
+    </p:spTree>
+    <p:extLst>
+      <p:ext uri="{BB962C8B-B14F-4D97-AF65-F5344CB8AC3E}">
+        <p14:creationId xmlns:p14="http://schemas.microsoft.com/office/powerpoint/2010/main" val="13962983"/>
+      </p:ext>
+    </p:extLst>
+  </p:cSld>
+  <p:clrMapOvr>
+    <a:masterClrMapping/>
+  </p:clrMapOvr>
+</p:sld>
+</file>
+
 <file path=ppt/theme/theme1.xml><?xml version="1.0" encoding="utf-8"?>
 <a:theme xmlns:a="http://schemas.openxmlformats.org/drawingml/2006/main" name="Office 테마">
   <a:themeElements>
